--- a/doc/DesignDoc.pptx
+++ b/doc/DesignDoc.pptx
@@ -6,6 +6,7 @@
   </p:sldMasterIdLst>
   <p:sldIdLst>
     <p:sldId id="256" r:id="rId2"/>
+    <p:sldId id="257" r:id="rId3"/>
   </p:sldIdLst>
   <p:sldSz cx="12192000" cy="6858000"/>
   <p:notesSz cx="6858000" cy="9144000"/>
@@ -104,6 +105,11 @@
       </a:defRPr>
     </a:lvl9pPr>
   </p:defaultTextStyle>
+  <p:extLst>
+    <p:ext uri="{EFAFB233-063F-42B5-8137-9DF3F51BA10A}">
+      <p15:sldGuideLst xmlns:p15="http://schemas.microsoft.com/office/powerpoint/2012/main"/>
+    </p:ext>
+  </p:extLst>
 </p:presentation>
 </file>
 
@@ -3526,6 +3532,250 @@
 </p:sld>
 </file>
 
+<file path=ppt/slides/slide2.xml><?xml version="1.0" encoding="utf-8"?>
+<p:sld xmlns:a="http://schemas.openxmlformats.org/drawingml/2006/main" xmlns:r="http://schemas.openxmlformats.org/officeDocument/2006/relationships" xmlns:p="http://schemas.openxmlformats.org/presentationml/2006/main">
+  <p:cSld>
+    <p:spTree>
+      <p:nvGrpSpPr>
+        <p:cNvPr id="1" name=""/>
+        <p:cNvGrpSpPr/>
+        <p:nvPr/>
+      </p:nvGrpSpPr>
+      <p:grpSpPr>
+        <a:xfrm>
+          <a:off x="0" y="0"/>
+          <a:ext cx="0" cy="0"/>
+          <a:chOff x="0" y="0"/>
+          <a:chExt cx="0" cy="0"/>
+        </a:xfrm>
+      </p:grpSpPr>
+      <p:pic>
+        <p:nvPicPr>
+          <p:cNvPr id="5" name="Picture 4" descr="A picture containing floor&#10;&#10;Description automatically generated">
+            <a:extLst>
+              <a:ext uri="{FF2B5EF4-FFF2-40B4-BE49-F238E27FC236}">
+                <a16:creationId xmlns:a16="http://schemas.microsoft.com/office/drawing/2014/main" id="{F0343261-125F-4E21-AA6E-1DC110DCDBFE}"/>
+              </a:ext>
+            </a:extLst>
+          </p:cNvPr>
+          <p:cNvPicPr>
+            <a:picLocks noChangeAspect="1"/>
+          </p:cNvPicPr>
+          <p:nvPr/>
+        </p:nvPicPr>
+        <p:blipFill>
+          <a:blip r:embed="rId2">
+            <a:extLst>
+              <a:ext uri="{28A0092B-C50C-407E-A947-70E740481C1C}">
+                <a14:useLocalDpi xmlns:a14="http://schemas.microsoft.com/office/drawing/2010/main" val="0"/>
+              </a:ext>
+            </a:extLst>
+          </a:blip>
+          <a:stretch>
+            <a:fillRect/>
+          </a:stretch>
+        </p:blipFill>
+        <p:spPr>
+          <a:xfrm>
+            <a:off x="966787" y="1316038"/>
+            <a:ext cx="3367383" cy="3470275"/>
+          </a:xfrm>
+          <a:prstGeom prst="rect">
+            <a:avLst/>
+          </a:prstGeom>
+        </p:spPr>
+      </p:pic>
+      <p:pic>
+        <p:nvPicPr>
+          <p:cNvPr id="7" name="Picture 6">
+            <a:extLst>
+              <a:ext uri="{FF2B5EF4-FFF2-40B4-BE49-F238E27FC236}">
+                <a16:creationId xmlns:a16="http://schemas.microsoft.com/office/drawing/2014/main" id="{A16F7C89-4E1B-41C8-9BC2-6A6C47B7DE39}"/>
+              </a:ext>
+            </a:extLst>
+          </p:cNvPr>
+          <p:cNvPicPr>
+            <a:picLocks noChangeAspect="1"/>
+          </p:cNvPicPr>
+          <p:nvPr/>
+        </p:nvPicPr>
+        <p:blipFill>
+          <a:blip r:embed="rId3"/>
+          <a:stretch>
+            <a:fillRect/>
+          </a:stretch>
+        </p:blipFill>
+        <p:spPr>
+          <a:xfrm rot="10800000">
+            <a:off x="5796258" y="1201469"/>
+            <a:ext cx="3200405" cy="2030330"/>
+          </a:xfrm>
+          <a:prstGeom prst="rect">
+            <a:avLst/>
+          </a:prstGeom>
+        </p:spPr>
+      </p:pic>
+      <p:cxnSp>
+        <p:nvCxnSpPr>
+          <p:cNvPr id="9" name="Straight Connector 8">
+            <a:extLst>
+              <a:ext uri="{FF2B5EF4-FFF2-40B4-BE49-F238E27FC236}">
+                <a16:creationId xmlns:a16="http://schemas.microsoft.com/office/drawing/2014/main" id="{37282637-2927-44CC-95BD-DC1DAFAE670F}"/>
+              </a:ext>
+            </a:extLst>
+          </p:cNvPr>
+          <p:cNvCxnSpPr>
+            <a:cxnSpLocks/>
+          </p:cNvCxnSpPr>
+          <p:nvPr/>
+        </p:nvCxnSpPr>
+        <p:spPr>
+          <a:xfrm>
+            <a:off x="2428875" y="2080862"/>
+            <a:ext cx="3367383" cy="0"/>
+          </a:xfrm>
+          <a:prstGeom prst="line">
+            <a:avLst/>
+          </a:prstGeom>
+          <a:ln w="38100"/>
+        </p:spPr>
+        <p:style>
+          <a:lnRef idx="1">
+            <a:schemeClr val="accent1"/>
+          </a:lnRef>
+          <a:fillRef idx="0">
+            <a:schemeClr val="accent1"/>
+          </a:fillRef>
+          <a:effectRef idx="0">
+            <a:schemeClr val="accent1"/>
+          </a:effectRef>
+          <a:fontRef idx="minor">
+            <a:schemeClr val="tx1"/>
+          </a:fontRef>
+        </p:style>
+      </p:cxnSp>
+      <p:cxnSp>
+        <p:nvCxnSpPr>
+          <p:cNvPr id="12" name="Connector: Elbow 11">
+            <a:extLst>
+              <a:ext uri="{FF2B5EF4-FFF2-40B4-BE49-F238E27FC236}">
+                <a16:creationId xmlns:a16="http://schemas.microsoft.com/office/drawing/2014/main" id="{56084651-3E53-4CA3-A794-B37AA5C595FC}"/>
+              </a:ext>
+            </a:extLst>
+          </p:cNvPr>
+          <p:cNvCxnSpPr>
+            <a:cxnSpLocks/>
+            <a:endCxn id="15" idx="1"/>
+          </p:cNvCxnSpPr>
+          <p:nvPr/>
+        </p:nvCxnSpPr>
+        <p:spPr>
+          <a:xfrm>
+            <a:off x="3841632" y="2080862"/>
+            <a:ext cx="3006139" cy="2219238"/>
+          </a:xfrm>
+          <a:prstGeom prst="bentConnector3">
+            <a:avLst>
+              <a:gd name="adj1" fmla="val 26717"/>
+            </a:avLst>
+          </a:prstGeom>
+          <a:ln w="28575">
+            <a:tailEnd type="triangle"/>
+          </a:ln>
+        </p:spPr>
+        <p:style>
+          <a:lnRef idx="1">
+            <a:schemeClr val="accent1"/>
+          </a:lnRef>
+          <a:fillRef idx="0">
+            <a:schemeClr val="accent1"/>
+          </a:fillRef>
+          <a:effectRef idx="0">
+            <a:schemeClr val="accent1"/>
+          </a:effectRef>
+          <a:fontRef idx="minor">
+            <a:schemeClr val="tx1"/>
+          </a:fontRef>
+        </p:style>
+      </p:cxnSp>
+      <p:pic>
+        <p:nvPicPr>
+          <p:cNvPr id="15" name="Picture 14">
+            <a:extLst>
+              <a:ext uri="{FF2B5EF4-FFF2-40B4-BE49-F238E27FC236}">
+                <a16:creationId xmlns:a16="http://schemas.microsoft.com/office/drawing/2014/main" id="{4A8F0EF5-68B4-4A4E-8803-F43A73A2CE7A}"/>
+              </a:ext>
+            </a:extLst>
+          </p:cNvPr>
+          <p:cNvPicPr>
+            <a:picLocks noChangeAspect="1"/>
+          </p:cNvPicPr>
+          <p:nvPr/>
+        </p:nvPicPr>
+        <p:blipFill>
+          <a:blip r:embed="rId4"/>
+          <a:stretch>
+            <a:fillRect/>
+          </a:stretch>
+        </p:blipFill>
+        <p:spPr>
+          <a:xfrm>
+            <a:off x="6847771" y="3609624"/>
+            <a:ext cx="1485714" cy="1380952"/>
+          </a:xfrm>
+          <a:prstGeom prst="rect">
+            <a:avLst/>
+          </a:prstGeom>
+        </p:spPr>
+      </p:pic>
+      <p:sp>
+        <p:nvSpPr>
+          <p:cNvPr id="18" name="TextBox 17">
+            <a:extLst>
+              <a:ext uri="{FF2B5EF4-FFF2-40B4-BE49-F238E27FC236}">
+                <a16:creationId xmlns:a16="http://schemas.microsoft.com/office/drawing/2014/main" id="{43A1759B-3C07-46DC-ADD8-527FDED4E1DF}"/>
+              </a:ext>
+            </a:extLst>
+          </p:cNvPr>
+          <p:cNvSpPr txBox="1"/>
+          <p:nvPr/>
+        </p:nvSpPr>
+        <p:spPr>
+          <a:xfrm>
+            <a:off x="4416103" y="1449743"/>
+            <a:ext cx="1298222" cy="646331"/>
+          </a:xfrm>
+          <a:prstGeom prst="rect">
+            <a:avLst/>
+          </a:prstGeom>
+          <a:noFill/>
+        </p:spPr>
+        <p:txBody>
+          <a:bodyPr wrap="square" rtlCol="0">
+            <a:spAutoFit/>
+          </a:bodyPr>
+          <a:lstStyle/>
+          <a:p>
+            <a:r>
+              <a:rPr lang="en-SG" b="1" dirty="0"/>
+              <a:t>CAT-5 to USB cable </a:t>
+            </a:r>
+          </a:p>
+        </p:txBody>
+      </p:sp>
+    </p:spTree>
+    <p:extLst>
+      <p:ext uri="{BB962C8B-B14F-4D97-AF65-F5344CB8AC3E}">
+        <p14:creationId xmlns:p14="http://schemas.microsoft.com/office/powerpoint/2010/main" val="4216102014"/>
+      </p:ext>
+    </p:extLst>
+  </p:cSld>
+  <p:clrMapOvr>
+    <a:masterClrMapping/>
+  </p:clrMapOvr>
+</p:sld>
+</file>
+
 <file path=ppt/theme/theme1.xml><?xml version="1.0" encoding="utf-8"?>
 <a:theme xmlns:a="http://schemas.openxmlformats.org/drawingml/2006/main" name="Office Theme">
   <a:themeElements>
